--- a/Presentation.pptx
+++ b/Presentation.pptx
@@ -117,6 +117,11 @@
       </a:defRPr>
     </a:lvl9pPr>
   </p:defaultTextStyle>
+  <p:extLst>
+    <p:ext uri="{EFAFB233-063F-42B5-8137-9DF3F51BA10A}">
+      <p15:sldGuideLst xmlns:p15="http://schemas.microsoft.com/office/powerpoint/2012/main"/>
+    </p:ext>
+  </p:extLst>
 </p:presentation>
 </file>
 
@@ -202,7 +207,7 @@
           <a:p>
             <a:fld id="{4D1CF9B1-1BF5-D14B-B97C-1D0B82796830}" type="datetimeFigureOut">
               <a:rPr lang="en-US" smtClean="0"/>
-              <a:t>11/15/22</a:t>
+              <a:t>11/21/22</a:t>
             </a:fld>
             <a:endParaRPr lang="en-US"/>
           </a:p>
@@ -554,6 +559,90 @@
 </p:notes>
 </file>
 
+<file path=ppt/notesSlides/notesSlide2.xml><?xml version="1.0" encoding="utf-8"?>
+<p:notes xmlns:a="http://schemas.openxmlformats.org/drawingml/2006/main" xmlns:r="http://schemas.openxmlformats.org/officeDocument/2006/relationships" xmlns:p="http://schemas.openxmlformats.org/presentationml/2006/main">
+  <p:cSld>
+    <p:spTree>
+      <p:nvGrpSpPr>
+        <p:cNvPr id="1" name=""/>
+        <p:cNvGrpSpPr/>
+        <p:nvPr/>
+      </p:nvGrpSpPr>
+      <p:grpSpPr>
+        <a:xfrm>
+          <a:off x="0" y="0"/>
+          <a:ext cx="0" cy="0"/>
+          <a:chOff x="0" y="0"/>
+          <a:chExt cx="0" cy="0"/>
+        </a:xfrm>
+      </p:grpSpPr>
+      <p:sp>
+        <p:nvSpPr>
+          <p:cNvPr id="2" name="Slide Image Placeholder 1"/>
+          <p:cNvSpPr>
+            <a:spLocks noGrp="1" noRot="1" noChangeAspect="1"/>
+          </p:cNvSpPr>
+          <p:nvPr>
+            <p:ph type="sldImg"/>
+          </p:nvPr>
+        </p:nvSpPr>
+        <p:spPr/>
+      </p:sp>
+      <p:sp>
+        <p:nvSpPr>
+          <p:cNvPr id="3" name="Notes Placeholder 2"/>
+          <p:cNvSpPr>
+            <a:spLocks noGrp="1"/>
+          </p:cNvSpPr>
+          <p:nvPr>
+            <p:ph type="body" idx="1"/>
+          </p:nvPr>
+        </p:nvSpPr>
+        <p:spPr/>
+        <p:txBody>
+          <a:bodyPr/>
+          <a:lstStyle/>
+          <a:p>
+            <a:endParaRPr lang="en-US" dirty="0"/>
+          </a:p>
+        </p:txBody>
+      </p:sp>
+      <p:sp>
+        <p:nvSpPr>
+          <p:cNvPr id="4" name="Slide Number Placeholder 3"/>
+          <p:cNvSpPr>
+            <a:spLocks noGrp="1"/>
+          </p:cNvSpPr>
+          <p:nvPr>
+            <p:ph type="sldNum" sz="quarter" idx="10"/>
+          </p:nvPr>
+        </p:nvSpPr>
+        <p:spPr/>
+        <p:txBody>
+          <a:bodyPr/>
+          <a:lstStyle/>
+          <a:p>
+            <a:fld id="{D917D6C6-756A-A746-982B-8335AF373087}" type="slidenum">
+              <a:rPr lang="en-US" smtClean="0"/>
+              <a:t>9</a:t>
+            </a:fld>
+            <a:endParaRPr lang="en-US"/>
+          </a:p>
+        </p:txBody>
+      </p:sp>
+    </p:spTree>
+    <p:extLst>
+      <p:ext uri="{BB962C8B-B14F-4D97-AF65-F5344CB8AC3E}">
+        <p14:creationId xmlns:p14="http://schemas.microsoft.com/office/powerpoint/2010/main" val="1111787483"/>
+      </p:ext>
+    </p:extLst>
+  </p:cSld>
+  <p:clrMapOvr>
+    <a:masterClrMapping/>
+  </p:clrMapOvr>
+</p:notes>
+</file>
+
 <file path=ppt/slideLayouts/slideLayout1.xml><?xml version="1.0" encoding="utf-8"?>
 <p:sldLayout xmlns:a="http://schemas.openxmlformats.org/drawingml/2006/main" xmlns:r="http://schemas.openxmlformats.org/officeDocument/2006/relationships" xmlns:p="http://schemas.openxmlformats.org/presentationml/2006/main" showMasterSp="0" type="title" preserve="1">
   <p:cSld name="Title Slide">
@@ -783,7 +872,7 @@
           <a:p>
             <a:fld id="{4BDF68E2-58F2-4D09-BE8B-E3BD06533059}" type="datetimeFigureOut">
               <a:rPr lang="en-US" dirty="0"/>
-              <a:t>11/15/22</a:t>
+              <a:t>11/21/22</a:t>
             </a:fld>
             <a:endParaRPr lang="en-US" dirty="0"/>
           </a:p>
@@ -1001,7 +1090,7 @@
           <a:p>
             <a:fld id="{2E2D6473-DF6D-4702-B328-E0DD40540A4E}" type="datetimeFigureOut">
               <a:rPr lang="en-US" dirty="0"/>
-              <a:t>11/15/22</a:t>
+              <a:t>11/21/22</a:t>
             </a:fld>
             <a:endParaRPr lang="en-US" dirty="0"/>
           </a:p>
@@ -1255,7 +1344,7 @@
           <a:p>
             <a:fld id="{E26F7E3A-B166-407D-9866-32884E7D5B37}" type="datetimeFigureOut">
               <a:rPr lang="en-US" dirty="0"/>
-              <a:t>11/15/22</a:t>
+              <a:t>11/21/22</a:t>
             </a:fld>
             <a:endParaRPr lang="en-US" dirty="0"/>
           </a:p>
@@ -1428,7 +1517,7 @@
           <a:p>
             <a:fld id="{3E0EC815-B472-534B-B17B-EBFC292FBDDC}" type="datetimeFigureOut">
               <a:rPr lang="en-US" smtClean="0"/>
-              <a:t>11/15/22</a:t>
+              <a:t>11/21/22</a:t>
             </a:fld>
             <a:endParaRPr lang="en-US"/>
           </a:p>
@@ -1575,7 +1664,7 @@
           <a:p>
             <a:fld id="{528FC5F6-F338-4AE4-BB23-26385BCFC423}" type="datetimeFigureOut">
               <a:rPr lang="en-US" dirty="0"/>
-              <a:t>11/15/22</a:t>
+              <a:t>11/21/22</a:t>
             </a:fld>
             <a:endParaRPr lang="en-US" dirty="0"/>
           </a:p>
@@ -1923,7 +2012,7 @@
           <a:p>
             <a:fld id="{20EBB0C4-6273-4C6E-B9BD-2EDC30F1CD52}" type="datetimeFigureOut">
               <a:rPr lang="en-US" dirty="0"/>
-              <a:t>11/15/22</a:t>
+              <a:t>11/21/22</a:t>
             </a:fld>
             <a:endParaRPr lang="en-US" dirty="0"/>
           </a:p>
@@ -2196,7 +2285,7 @@
           <a:p>
             <a:fld id="{19AB4D41-86C1-4908-B66A-0B50CEB3BF29}" type="datetimeFigureOut">
               <a:rPr lang="en-US" dirty="0"/>
-              <a:t>11/15/22</a:t>
+              <a:t>11/21/22</a:t>
             </a:fld>
             <a:endParaRPr lang="en-US" dirty="0"/>
           </a:p>
@@ -2580,7 +2669,7 @@
           <a:p>
             <a:fld id="{E6426E2C-56C1-4E0D-A793-0088A7FDD37E}" type="datetimeFigureOut">
               <a:rPr lang="en-US" dirty="0"/>
-              <a:t>11/15/22</a:t>
+              <a:t>11/21/22</a:t>
             </a:fld>
             <a:endParaRPr lang="en-US" dirty="0"/>
           </a:p>
@@ -2701,7 +2790,7 @@
           <a:p>
             <a:fld id="{C8C39B41-D8B5-4052-B551-9B5525EAA8B6}" type="datetimeFigureOut">
               <a:rPr lang="en-US" dirty="0"/>
-              <a:t>11/15/22</a:t>
+              <a:t>11/21/22</a:t>
             </a:fld>
             <a:endParaRPr lang="en-US" dirty="0"/>
           </a:p>
@@ -2874,7 +2963,7 @@
           <a:p>
             <a:fld id="{4D94136C-8742-45B2-AF27-D93DF72833A9}" type="datetimeFigureOut">
               <a:rPr lang="en-US" dirty="0"/>
-              <a:t>11/15/22</a:t>
+              <a:t>11/21/22</a:t>
             </a:fld>
             <a:endParaRPr lang="en-US" dirty="0"/>
           </a:p>
@@ -3227,7 +3316,7 @@
           <a:p>
             <a:fld id="{32ABBEA6-7C60-4B02-AE87-00D78D8422AF}" type="datetimeFigureOut">
               <a:rPr lang="en-US" dirty="0"/>
-              <a:t>11/15/22</a:t>
+              <a:t>11/21/22</a:t>
             </a:fld>
             <a:endParaRPr lang="en-US" dirty="0"/>
           </a:p>
@@ -3605,7 +3694,7 @@
           <a:p>
             <a:fld id="{C9CAD897-D46E-4AD2-BD9B-49DD3E640873}" type="datetimeFigureOut">
               <a:rPr lang="en-US" dirty="0"/>
-              <a:t>11/15/22</a:t>
+              <a:t>11/21/22</a:t>
             </a:fld>
             <a:endParaRPr lang="en-US" dirty="0"/>
           </a:p>
@@ -3854,7 +3943,7 @@
           <a:p>
             <a:fld id="{98624D31-43A5-475A-80CF-332C9F6DCF35}" type="datetimeFigureOut">
               <a:rPr lang="en-US" dirty="0"/>
-              <a:t>11/15/22</a:t>
+              <a:t>11/21/22</a:t>
             </a:fld>
             <a:endParaRPr lang="en-US" dirty="0"/>
           </a:p>
@@ -4730,7 +4819,7 @@
           <p:cNvPr id="2" name="Title 1">
             <a:extLst>
               <a:ext uri="{FF2B5EF4-FFF2-40B4-BE49-F238E27FC236}">
-                <a16:creationId xmlns:a16="http://schemas.microsoft.com/office/drawing/2014/main" xmlns="" id="{A366E7AE-2907-6A4C-B350-63622C840038}"/>
+                <a16:creationId xmlns="" xmlns:a16="http://schemas.microsoft.com/office/drawing/2014/main" id="{A366E7AE-2907-6A4C-B350-63622C840038}"/>
               </a:ext>
             </a:extLst>
           </p:cNvPr>
@@ -4769,7 +4858,7 @@
           <p:cNvPr id="3" name="Content Placeholder 2">
             <a:extLst>
               <a:ext uri="{FF2B5EF4-FFF2-40B4-BE49-F238E27FC236}">
-                <a16:creationId xmlns:a16="http://schemas.microsoft.com/office/drawing/2014/main" xmlns="" id="{9678DAF0-EC40-E05F-BE2A-6BAA3BC34ABB}"/>
+                <a16:creationId xmlns="" xmlns:a16="http://schemas.microsoft.com/office/drawing/2014/main" id="{9678DAF0-EC40-E05F-BE2A-6BAA3BC34ABB}"/>
               </a:ext>
             </a:extLst>
           </p:cNvPr>
@@ -4824,7 +4913,7 @@
           <p:cNvPr id="10" name="TextBox 9">
             <a:extLst>
               <a:ext uri="{FF2B5EF4-FFF2-40B4-BE49-F238E27FC236}">
-                <a16:creationId xmlns:a16="http://schemas.microsoft.com/office/drawing/2014/main" xmlns="" id="{A0319DFB-F773-7122-A4DE-9C823B1A841B}"/>
+                <a16:creationId xmlns="" xmlns:a16="http://schemas.microsoft.com/office/drawing/2014/main" id="{A0319DFB-F773-7122-A4DE-9C823B1A841B}"/>
               </a:ext>
             </a:extLst>
           </p:cNvPr>
@@ -4862,7 +4951,7 @@
           <p:cNvPr id="25" name="Content Placeholder 2">
             <a:extLst>
               <a:ext uri="{FF2B5EF4-FFF2-40B4-BE49-F238E27FC236}">
-                <a16:creationId xmlns:a16="http://schemas.microsoft.com/office/drawing/2014/main" xmlns="" id="{A7A581C5-A211-B778-4BDB-55F20530B1C6}"/>
+                <a16:creationId xmlns="" xmlns:a16="http://schemas.microsoft.com/office/drawing/2014/main" id="{A7A581C5-A211-B778-4BDB-55F20530B1C6}"/>
               </a:ext>
             </a:extLst>
           </p:cNvPr>
@@ -5149,7 +5238,7 @@
           <p:cNvPr id="6" name="Graphic 5" descr="Link with solid fill">
             <a:extLst>
               <a:ext uri="{FF2B5EF4-FFF2-40B4-BE49-F238E27FC236}">
-                <a16:creationId xmlns:a16="http://schemas.microsoft.com/office/drawing/2014/main" xmlns="" id="{63B4DE5F-0546-2C67-64DA-5329F7903263}"/>
+                <a16:creationId xmlns="" xmlns:a16="http://schemas.microsoft.com/office/drawing/2014/main" id="{63B4DE5F-0546-2C67-64DA-5329F7903263}"/>
               </a:ext>
             </a:extLst>
           </p:cNvPr>
@@ -5162,7 +5251,7 @@
           <a:blip r:embed="rId3">
             <a:extLst>
               <a:ext uri="{96DAC541-7B7A-43D3-8B79-37D633B846F1}">
-                <asvg:svgBlip xmlns:asvg="http://schemas.microsoft.com/office/drawing/2016/SVG/main" xmlns="" r:embed="rId5"/>
+                <asvg:svgBlip xmlns="" xmlns:asvg="http://schemas.microsoft.com/office/drawing/2016/SVG/main" r:embed="rId5"/>
               </a:ext>
             </a:extLst>
           </a:blip>
@@ -5185,7 +5274,7 @@
           <p:cNvPr id="8" name="Graphic 7" descr="Envelope with solid fill">
             <a:extLst>
               <a:ext uri="{FF2B5EF4-FFF2-40B4-BE49-F238E27FC236}">
-                <a16:creationId xmlns:a16="http://schemas.microsoft.com/office/drawing/2014/main" xmlns="" id="{676F87C9-EED9-DE21-9549-1B77624C8602}"/>
+                <a16:creationId xmlns="" xmlns:a16="http://schemas.microsoft.com/office/drawing/2014/main" id="{676F87C9-EED9-DE21-9549-1B77624C8602}"/>
               </a:ext>
             </a:extLst>
           </p:cNvPr>
@@ -5198,7 +5287,7 @@
           <a:blip r:embed="rId6">
             <a:extLst>
               <a:ext uri="{96DAC541-7B7A-43D3-8B79-37D633B846F1}">
-                <asvg:svgBlip xmlns:asvg="http://schemas.microsoft.com/office/drawing/2016/SVG/main" xmlns="" r:embed="rId7"/>
+                <asvg:svgBlip xmlns="" xmlns:asvg="http://schemas.microsoft.com/office/drawing/2016/SVG/main" r:embed="rId7"/>
               </a:ext>
             </a:extLst>
           </a:blip>
@@ -7213,7 +7302,15 @@
             </a:pPr>
             <a:r>
               <a:rPr lang="en-US" sz="2000" dirty="0" smtClean="0"/>
-              <a:t> customer who is has churned is </a:t>
+              <a:t> customer </a:t>
+            </a:r>
+            <a:r>
+              <a:rPr lang="en-US" sz="2000" dirty="0" smtClean="0"/>
+              <a:t>who </a:t>
+            </a:r>
+            <a:r>
+              <a:rPr lang="en-US" sz="2000" dirty="0" smtClean="0"/>
+              <a:t>has churned is </a:t>
             </a:r>
           </a:p>
           <a:p>
@@ -7279,7 +7376,7 @@
           <p:nvPr/>
         </p:nvPicPr>
         <p:blipFill>
-          <a:blip r:embed="rId2">
+          <a:blip r:embed="rId3">
             <a:extLst>
               <a:ext uri="{28A0092B-C50C-407E-A947-70E740481C1C}">
                 <a14:useLocalDpi xmlns:a14="http://schemas.microsoft.com/office/drawing/2010/main" val="0"/>

--- a/Presentation.pptx
+++ b/Presentation.pptx
@@ -207,7 +207,7 @@
           <a:p>
             <a:fld id="{4D1CF9B1-1BF5-D14B-B97C-1D0B82796830}" type="datetimeFigureOut">
               <a:rPr lang="en-US" smtClean="0"/>
-              <a:t>11/21/22</a:t>
+              <a:t>11/22/22</a:t>
             </a:fld>
             <a:endParaRPr lang="en-US"/>
           </a:p>
@@ -872,7 +872,7 @@
           <a:p>
             <a:fld id="{4BDF68E2-58F2-4D09-BE8B-E3BD06533059}" type="datetimeFigureOut">
               <a:rPr lang="en-US" dirty="0"/>
-              <a:t>11/21/22</a:t>
+              <a:t>11/22/22</a:t>
             </a:fld>
             <a:endParaRPr lang="en-US" dirty="0"/>
           </a:p>
@@ -1090,7 +1090,7 @@
           <a:p>
             <a:fld id="{2E2D6473-DF6D-4702-B328-E0DD40540A4E}" type="datetimeFigureOut">
               <a:rPr lang="en-US" dirty="0"/>
-              <a:t>11/21/22</a:t>
+              <a:t>11/22/22</a:t>
             </a:fld>
             <a:endParaRPr lang="en-US" dirty="0"/>
           </a:p>
@@ -1344,7 +1344,7 @@
           <a:p>
             <a:fld id="{E26F7E3A-B166-407D-9866-32884E7D5B37}" type="datetimeFigureOut">
               <a:rPr lang="en-US" dirty="0"/>
-              <a:t>11/21/22</a:t>
+              <a:t>11/22/22</a:t>
             </a:fld>
             <a:endParaRPr lang="en-US" dirty="0"/>
           </a:p>
@@ -1517,7 +1517,7 @@
           <a:p>
             <a:fld id="{3E0EC815-B472-534B-B17B-EBFC292FBDDC}" type="datetimeFigureOut">
               <a:rPr lang="en-US" smtClean="0"/>
-              <a:t>11/21/22</a:t>
+              <a:t>11/22/22</a:t>
             </a:fld>
             <a:endParaRPr lang="en-US"/>
           </a:p>
@@ -1664,7 +1664,7 @@
           <a:p>
             <a:fld id="{528FC5F6-F338-4AE4-BB23-26385BCFC423}" type="datetimeFigureOut">
               <a:rPr lang="en-US" dirty="0"/>
-              <a:t>11/21/22</a:t>
+              <a:t>11/22/22</a:t>
             </a:fld>
             <a:endParaRPr lang="en-US" dirty="0"/>
           </a:p>
@@ -2012,7 +2012,7 @@
           <a:p>
             <a:fld id="{20EBB0C4-6273-4C6E-B9BD-2EDC30F1CD52}" type="datetimeFigureOut">
               <a:rPr lang="en-US" dirty="0"/>
-              <a:t>11/21/22</a:t>
+              <a:t>11/22/22</a:t>
             </a:fld>
             <a:endParaRPr lang="en-US" dirty="0"/>
           </a:p>
@@ -2285,7 +2285,7 @@
           <a:p>
             <a:fld id="{19AB4D41-86C1-4908-B66A-0B50CEB3BF29}" type="datetimeFigureOut">
               <a:rPr lang="en-US" dirty="0"/>
-              <a:t>11/21/22</a:t>
+              <a:t>11/22/22</a:t>
             </a:fld>
             <a:endParaRPr lang="en-US" dirty="0"/>
           </a:p>
@@ -2669,7 +2669,7 @@
           <a:p>
             <a:fld id="{E6426E2C-56C1-4E0D-A793-0088A7FDD37E}" type="datetimeFigureOut">
               <a:rPr lang="en-US" dirty="0"/>
-              <a:t>11/21/22</a:t>
+              <a:t>11/22/22</a:t>
             </a:fld>
             <a:endParaRPr lang="en-US" dirty="0"/>
           </a:p>
@@ -2790,7 +2790,7 @@
           <a:p>
             <a:fld id="{C8C39B41-D8B5-4052-B551-9B5525EAA8B6}" type="datetimeFigureOut">
               <a:rPr lang="en-US" dirty="0"/>
-              <a:t>11/21/22</a:t>
+              <a:t>11/22/22</a:t>
             </a:fld>
             <a:endParaRPr lang="en-US" dirty="0"/>
           </a:p>
@@ -2963,7 +2963,7 @@
           <a:p>
             <a:fld id="{4D94136C-8742-45B2-AF27-D93DF72833A9}" type="datetimeFigureOut">
               <a:rPr lang="en-US" dirty="0"/>
-              <a:t>11/21/22</a:t>
+              <a:t>11/22/22</a:t>
             </a:fld>
             <a:endParaRPr lang="en-US" dirty="0"/>
           </a:p>
@@ -3316,7 +3316,7 @@
           <a:p>
             <a:fld id="{32ABBEA6-7C60-4B02-AE87-00D78D8422AF}" type="datetimeFigureOut">
               <a:rPr lang="en-US" dirty="0"/>
-              <a:t>11/21/22</a:t>
+              <a:t>11/22/22</a:t>
             </a:fld>
             <a:endParaRPr lang="en-US" dirty="0"/>
           </a:p>
@@ -3694,7 +3694,7 @@
           <a:p>
             <a:fld id="{C9CAD897-D46E-4AD2-BD9B-49DD3E640873}" type="datetimeFigureOut">
               <a:rPr lang="en-US" dirty="0"/>
-              <a:t>11/21/22</a:t>
+              <a:t>11/22/22</a:t>
             </a:fld>
             <a:endParaRPr lang="en-US" dirty="0"/>
           </a:p>
@@ -3943,7 +3943,7 @@
           <a:p>
             <a:fld id="{98624D31-43A5-475A-80CF-332C9F6DCF35}" type="datetimeFigureOut">
               <a:rPr lang="en-US" dirty="0"/>
-              <a:t>11/21/22</a:t>
+              <a:t>11/22/22</a:t>
             </a:fld>
             <a:endParaRPr lang="en-US" dirty="0"/>
           </a:p>
@@ -4614,8 +4614,8 @@
         </p:nvSpPr>
         <p:spPr>
           <a:xfrm>
-            <a:off x="1097280" y="1384558"/>
-            <a:ext cx="10058400" cy="4274836"/>
+            <a:off x="1097280" y="1384557"/>
+            <a:ext cx="10392444" cy="4404351"/>
           </a:xfrm>
         </p:spPr>
         <p:txBody>
@@ -4642,7 +4642,31 @@
             </a:r>
             <a:r>
               <a:rPr lang="en-US" dirty="0" smtClean="0"/>
-              <a:t>Implement new plan features or cost reduction to retain international plan holders. </a:t>
+              <a:t>Implement </a:t>
+            </a:r>
+            <a:r>
+              <a:rPr lang="en-US" dirty="0" smtClean="0">
+                <a:solidFill>
+                  <a:srgbClr val="FFC000"/>
+                </a:solidFill>
+              </a:rPr>
+              <a:t>new plan features </a:t>
+            </a:r>
+            <a:r>
+              <a:rPr lang="en-US" dirty="0" smtClean="0"/>
+              <a:t>or </a:t>
+            </a:r>
+            <a:r>
+              <a:rPr lang="en-US" dirty="0" smtClean="0">
+                <a:solidFill>
+                  <a:srgbClr val="FFC000"/>
+                </a:solidFill>
+              </a:rPr>
+              <a:t>cost reduction </a:t>
+            </a:r>
+            <a:r>
+              <a:rPr lang="en-US" dirty="0" smtClean="0"/>
+              <a:t>to retain international plan holders. </a:t>
             </a:r>
           </a:p>
           <a:p>
@@ -4659,7 +4683,15 @@
             </a:pPr>
             <a:r>
               <a:rPr lang="en-US" dirty="0" smtClean="0"/>
-              <a:t> Managers of the customer service department must strategize and train their teams to better </a:t>
+              <a:t> Managers of the customer service department must strategize and </a:t>
+            </a:r>
+            <a:r>
+              <a:rPr lang="en-US" dirty="0" smtClean="0">
+                <a:solidFill>
+                  <a:srgbClr val="FFC000"/>
+                </a:solidFill>
+              </a:rPr>
+              <a:t>train their teams to better </a:t>
             </a:r>
           </a:p>
           <a:p>
@@ -4667,8 +4699,16 @@
               <a:buNone/>
             </a:pPr>
             <a:r>
+              <a:rPr lang="en-US" sz="2000" dirty="0" smtClean="0">
+                <a:solidFill>
+                  <a:srgbClr val="FFC000"/>
+                </a:solidFill>
+              </a:rPr>
+              <a:t> assist customers</a:t>
+            </a:r>
+            <a:r>
               <a:rPr lang="en-US" sz="2000" dirty="0" smtClean="0"/>
-              <a:t> assist customers with the goal of reducing the number of times a customer has to call in</a:t>
+              <a:t> with the goal of reducing the number of times a customer has to call in</a:t>
             </a:r>
           </a:p>
           <a:p>
@@ -4723,7 +4763,19 @@
             </a:r>
             <a:r>
               <a:rPr lang="en-US" dirty="0" smtClean="0"/>
-              <a:t>ossibly with creating new incentives to their phone plans</a:t>
+              <a:t>ossibly with </a:t>
+            </a:r>
+            <a:r>
+              <a:rPr lang="en-US" dirty="0" smtClean="0">
+                <a:solidFill>
+                  <a:srgbClr val="FFC000"/>
+                </a:solidFill>
+              </a:rPr>
+              <a:t>creating new incentives </a:t>
+            </a:r>
+            <a:r>
+              <a:rPr lang="en-US" dirty="0" smtClean="0"/>
+              <a:t>to their phone plans</a:t>
             </a:r>
             <a:r>
               <a:rPr lang="en-US" sz="2000" dirty="0" smtClean="0"/>
@@ -4819,7 +4871,7 @@
           <p:cNvPr id="2" name="Title 1">
             <a:extLst>
               <a:ext uri="{FF2B5EF4-FFF2-40B4-BE49-F238E27FC236}">
-                <a16:creationId xmlns="" xmlns:a16="http://schemas.microsoft.com/office/drawing/2014/main" id="{A366E7AE-2907-6A4C-B350-63622C840038}"/>
+                <a16:creationId xmlns:a16="http://schemas.microsoft.com/office/drawing/2014/main" xmlns="" id="{A366E7AE-2907-6A4C-B350-63622C840038}"/>
               </a:ext>
             </a:extLst>
           </p:cNvPr>
@@ -4858,7 +4910,7 @@
           <p:cNvPr id="3" name="Content Placeholder 2">
             <a:extLst>
               <a:ext uri="{FF2B5EF4-FFF2-40B4-BE49-F238E27FC236}">
-                <a16:creationId xmlns="" xmlns:a16="http://schemas.microsoft.com/office/drawing/2014/main" id="{9678DAF0-EC40-E05F-BE2A-6BAA3BC34ABB}"/>
+                <a16:creationId xmlns:a16="http://schemas.microsoft.com/office/drawing/2014/main" xmlns="" id="{9678DAF0-EC40-E05F-BE2A-6BAA3BC34ABB}"/>
               </a:ext>
             </a:extLst>
           </p:cNvPr>
@@ -4913,7 +4965,7 @@
           <p:cNvPr id="10" name="TextBox 9">
             <a:extLst>
               <a:ext uri="{FF2B5EF4-FFF2-40B4-BE49-F238E27FC236}">
-                <a16:creationId xmlns="" xmlns:a16="http://schemas.microsoft.com/office/drawing/2014/main" id="{A0319DFB-F773-7122-A4DE-9C823B1A841B}"/>
+                <a16:creationId xmlns:a16="http://schemas.microsoft.com/office/drawing/2014/main" xmlns="" id="{A0319DFB-F773-7122-A4DE-9C823B1A841B}"/>
               </a:ext>
             </a:extLst>
           </p:cNvPr>
@@ -4951,7 +5003,7 @@
           <p:cNvPr id="25" name="Content Placeholder 2">
             <a:extLst>
               <a:ext uri="{FF2B5EF4-FFF2-40B4-BE49-F238E27FC236}">
-                <a16:creationId xmlns="" xmlns:a16="http://schemas.microsoft.com/office/drawing/2014/main" id="{A7A581C5-A211-B778-4BDB-55F20530B1C6}"/>
+                <a16:creationId xmlns:a16="http://schemas.microsoft.com/office/drawing/2014/main" xmlns="" id="{A7A581C5-A211-B778-4BDB-55F20530B1C6}"/>
               </a:ext>
             </a:extLst>
           </p:cNvPr>
@@ -5238,7 +5290,7 @@
           <p:cNvPr id="6" name="Graphic 5" descr="Link with solid fill">
             <a:extLst>
               <a:ext uri="{FF2B5EF4-FFF2-40B4-BE49-F238E27FC236}">
-                <a16:creationId xmlns="" xmlns:a16="http://schemas.microsoft.com/office/drawing/2014/main" id="{63B4DE5F-0546-2C67-64DA-5329F7903263}"/>
+                <a16:creationId xmlns:a16="http://schemas.microsoft.com/office/drawing/2014/main" xmlns="" id="{63B4DE5F-0546-2C67-64DA-5329F7903263}"/>
               </a:ext>
             </a:extLst>
           </p:cNvPr>
@@ -5251,7 +5303,7 @@
           <a:blip r:embed="rId3">
             <a:extLst>
               <a:ext uri="{96DAC541-7B7A-43D3-8B79-37D633B846F1}">
-                <asvg:svgBlip xmlns="" xmlns:asvg="http://schemas.microsoft.com/office/drawing/2016/SVG/main" r:embed="rId5"/>
+                <asvg:svgBlip xmlns:asvg="http://schemas.microsoft.com/office/drawing/2016/SVG/main" xmlns="" r:embed="rId5"/>
               </a:ext>
             </a:extLst>
           </a:blip>
@@ -5274,7 +5326,7 @@
           <p:cNvPr id="8" name="Graphic 7" descr="Envelope with solid fill">
             <a:extLst>
               <a:ext uri="{FF2B5EF4-FFF2-40B4-BE49-F238E27FC236}">
-                <a16:creationId xmlns="" xmlns:a16="http://schemas.microsoft.com/office/drawing/2014/main" id="{676F87C9-EED9-DE21-9549-1B77624C8602}"/>
+                <a16:creationId xmlns:a16="http://schemas.microsoft.com/office/drawing/2014/main" xmlns="" id="{676F87C9-EED9-DE21-9549-1B77624C8602}"/>
               </a:ext>
             </a:extLst>
           </p:cNvPr>
@@ -5287,7 +5339,7 @@
           <a:blip r:embed="rId6">
             <a:extLst>
               <a:ext uri="{96DAC541-7B7A-43D3-8B79-37D633B846F1}">
-                <asvg:svgBlip xmlns="" xmlns:asvg="http://schemas.microsoft.com/office/drawing/2016/SVG/main" r:embed="rId7"/>
+                <asvg:svgBlip xmlns:asvg="http://schemas.microsoft.com/office/drawing/2016/SVG/main" xmlns="" r:embed="rId7"/>
               </a:ext>
             </a:extLst>
           </a:blip>
@@ -6327,8 +6379,35 @@
             </a:r>
             <a:r>
               <a:rPr lang="en-US" b="1" dirty="0" smtClean="0"/>
-              <a:t>Decision Tree Classifier</a:t>
-            </a:r>
+              <a:t>Decision Tree </a:t>
+            </a:r>
+            <a:r>
+              <a:rPr lang="en-US" b="1" dirty="0" smtClean="0"/>
+              <a:t>Classifier</a:t>
+            </a:r>
+          </a:p>
+          <a:p>
+            <a:pPr lvl="1">
+              <a:buFont typeface="Wingdings" charset="2"/>
+              <a:buChar char="q"/>
+            </a:pPr>
+            <a:r>
+              <a:rPr lang="en-US" b="1" dirty="0"/>
+              <a:t> </a:t>
+            </a:r>
+            <a:r>
+              <a:rPr lang="en-US" b="1" dirty="0" smtClean="0">
+                <a:solidFill>
+                  <a:srgbClr val="FFC000"/>
+                </a:solidFill>
+              </a:rPr>
+              <a:t>66 % Recall Score </a:t>
+            </a:r>
+            <a:endParaRPr lang="en-US" b="1" dirty="0" smtClean="0">
+              <a:solidFill>
+                <a:srgbClr val="FFC000"/>
+              </a:solidFill>
+            </a:endParaRPr>
           </a:p>
           <a:p>
             <a:pPr marL="0" indent="0">
@@ -6478,8 +6557,8 @@
         </p:nvSpPr>
         <p:spPr>
           <a:xfrm>
-            <a:off x="7193280" y="2870637"/>
-            <a:ext cx="3293533" cy="1176866"/>
+            <a:off x="7121612" y="2565359"/>
+            <a:ext cx="3880021" cy="2001794"/>
           </a:xfrm>
           <a:prstGeom prst="frame">
             <a:avLst/>
@@ -6516,7 +6595,7 @@
       </p:sp>
       <p:pic>
         <p:nvPicPr>
-          <p:cNvPr id="5" name="Picture 4"/>
+          <p:cNvPr id="6" name="Picture 5"/>
           <p:cNvPicPr>
             <a:picLocks noChangeAspect="1"/>
           </p:cNvPicPr>
@@ -6536,8 +6615,8 @@
         </p:blipFill>
         <p:spPr>
           <a:xfrm>
-            <a:off x="7362614" y="3031067"/>
-            <a:ext cx="2954867" cy="856006"/>
+            <a:off x="7372866" y="2807082"/>
+            <a:ext cx="3377514" cy="1518349"/>
           </a:xfrm>
           <a:prstGeom prst="rect">
             <a:avLst/>
@@ -7162,15 +7241,62 @@
           </a:p>
         </p:txBody>
       </p:sp>
+      <p:sp>
+        <p:nvSpPr>
+          <p:cNvPr id="3" name="Content Placeholder 2"/>
+          <p:cNvSpPr>
+            <a:spLocks noGrp="1"/>
+          </p:cNvSpPr>
+          <p:nvPr>
+            <p:ph idx="1"/>
+          </p:nvPr>
+        </p:nvSpPr>
+        <p:spPr/>
+        <p:txBody>
+          <a:bodyPr/>
+          <a:lstStyle/>
+          <a:p>
+            <a:pPr>
+              <a:buFont typeface="Wingdings" charset="2"/>
+              <a:buChar char="q"/>
+            </a:pPr>
+            <a:r>
+              <a:rPr lang="en-US" dirty="0" smtClean="0"/>
+              <a:t> Churn rate significantly increases</a:t>
+            </a:r>
+          </a:p>
+          <a:p>
+            <a:pPr marL="201168" lvl="1" indent="0">
+              <a:buNone/>
+            </a:pPr>
+            <a:r>
+              <a:rPr lang="en-US" dirty="0" smtClean="0"/>
+              <a:t>  </a:t>
+            </a:r>
+            <a:r>
+              <a:rPr lang="en-US" sz="2000" dirty="0" smtClean="0"/>
+              <a:t>when customers call customer </a:t>
+            </a:r>
+          </a:p>
+          <a:p>
+            <a:pPr marL="201168" lvl="1" indent="0">
+              <a:buNone/>
+            </a:pPr>
+            <a:r>
+              <a:rPr lang="en-US" sz="2000" dirty="0" smtClean="0"/>
+              <a:t>  service 4 times. </a:t>
+            </a:r>
+            <a:endParaRPr lang="en-US" sz="2000" dirty="0"/>
+          </a:p>
+        </p:txBody>
+      </p:sp>
       <p:pic>
         <p:nvPicPr>
-          <p:cNvPr id="4" name="Content Placeholder 3"/>
+          <p:cNvPr id="5" name="Picture 4"/>
           <p:cNvPicPr>
-            <a:picLocks noGrp="1" noChangeAspect="1"/>
+            <a:picLocks noChangeAspect="1"/>
           </p:cNvPicPr>
-          <p:nvPr>
-            <p:ph idx="1"/>
-          </p:nvPr>
+          <p:nvPr/>
         </p:nvPicPr>
         <p:blipFill>
           <a:blip r:embed="rId2">
@@ -7186,9 +7312,12 @@
         </p:blipFill>
         <p:spPr>
           <a:xfrm>
-            <a:off x="1697806" y="1384300"/>
-            <a:ext cx="8856713" cy="4703763"/>
-          </a:xfrm>
+            <a:off x="3632887" y="1834858"/>
+            <a:ext cx="8114270" cy="4425436"/>
+          </a:xfrm>
+          <a:prstGeom prst="rect">
+            <a:avLst/>
+          </a:prstGeom>
         </p:spPr>
       </p:pic>
     </p:spTree>
@@ -7302,15 +7431,7 @@
             </a:pPr>
             <a:r>
               <a:rPr lang="en-US" sz="2000" dirty="0" smtClean="0"/>
-              <a:t> customer </a:t>
-            </a:r>
-            <a:r>
-              <a:rPr lang="en-US" sz="2000" dirty="0" smtClean="0"/>
-              <a:t>who </a:t>
-            </a:r>
-            <a:r>
-              <a:rPr lang="en-US" sz="2000" dirty="0" smtClean="0"/>
-              <a:t>has churned is </a:t>
+              <a:t> customer who has churned is </a:t>
             </a:r>
           </a:p>
           <a:p>
